--- a/taxippt.pptx
+++ b/taxippt.pptx
@@ -5,12 +5,11 @@
     <p:sldMasterId id="2147483648" r:id="rId1"/>
   </p:sldMasterIdLst>
   <p:notesMasterIdLst>
-    <p:notesMasterId r:id="rId5"/>
+    <p:notesMasterId r:id="rId4"/>
   </p:notesMasterIdLst>
   <p:sldIdLst>
     <p:sldId id="256" r:id="rId2"/>
     <p:sldId id="257" r:id="rId3"/>
-    <p:sldId id="258" r:id="rId4"/>
   </p:sldIdLst>
   <p:sldSz cx="9144000" cy="6858000" type="screen4x3"/>
   <p:notesSz cx="6858000" cy="9144000"/>
@@ -240,7 +239,7 @@
           <a:p>
             <a:fld id="{7A11483B-B347-9742-A93E-990E5F24CD20}" type="datetimeFigureOut">
               <a:rPr lang="en-US" smtClean="0"/>
-              <a:t>10/29/18</a:t>
+              <a:t>10/30/18</a:t>
             </a:fld>
             <a:endParaRPr lang="en-US"/>
           </a:p>
@@ -550,6 +549,44 @@
         <p:txBody>
           <a:bodyPr/>
           <a:lstStyle/>
+          <a:p>
+            <a:r>
+              <a:rPr lang="en-US" dirty="0"/>
+              <a:t>NYC has a law here that is transparent with all its data regarding public </a:t>
+            </a:r>
+            <a:r>
+              <a:rPr lang="en-US" dirty="0" err="1"/>
+              <a:t>municpilaties.Therefore</a:t>
+            </a:r>
+            <a:r>
+              <a:rPr lang="en-US" dirty="0"/>
+              <a:t> if you go to </a:t>
+            </a:r>
+            <a:r>
+              <a:rPr lang="en-US" dirty="0" err="1"/>
+              <a:t>opendata.cityofnewyork.us</a:t>
+            </a:r>
+            <a:r>
+              <a:rPr lang="en-US" dirty="0"/>
+              <a:t> it links you to a wealth of data regarding public works from 311 calls to taxi information. I choose to focus on taxi information because there was such a wealth of it and it affects me directly being a direct consumer. The city has all taxi rides databased from </a:t>
+            </a:r>
+            <a:r>
+              <a:rPr lang="en-US" dirty="0" err="1"/>
+              <a:t>june</a:t>
+            </a:r>
+            <a:r>
+              <a:rPr lang="en-US" dirty="0"/>
+              <a:t> 2018 through </a:t>
+            </a:r>
+            <a:r>
+              <a:rPr lang="en-US" dirty="0" err="1"/>
+              <a:t>jan</a:t>
+            </a:r>
+            <a:r>
+              <a:rPr lang="en-US" dirty="0"/>
+              <a:t> 2009. </a:t>
+            </a:r>
+          </a:p>
           <a:p>
             <a:endParaRPr lang="en-US" dirty="0"/>
           </a:p>
@@ -4844,7 +4881,7 @@
               </a:lnSpc>
             </a:pPr>
             <a:r>
-              <a:rPr lang="en-US" altLang="en-US" sz="3400"/>
+              <a:rPr lang="en-US" altLang="en-US" sz="3400" dirty="0"/>
               <a:t>Data Retrieval/Cleaning</a:t>
             </a:r>
           </a:p>
@@ -4887,7 +4924,7 @@
           <a:p>
             <a:r>
               <a:rPr lang="en-US" altLang="en-US" sz="1700" dirty="0"/>
-              <a:t>Cleaning the data or negative or 0 amount totals and specific PU and DO locations that are coded as NA</a:t>
+              <a:t>Cleaning the data of negative or 0 amount totals and specific PU and DO locations that are coded as NA</a:t>
             </a:r>
           </a:p>
           <a:p>
@@ -5001,331 +5038,6 @@
         </p:spPr>
       </p:pic>
     </p:spTree>
-  </p:cSld>
-  <p:clrMapOvr>
-    <a:overrideClrMapping bg1="dk1" tx1="lt1" bg2="dk2" tx2="lt2" accent1="accent1" accent2="accent2" accent3="accent3" accent4="accent4" accent5="accent5" accent6="accent6" hlink="hlink" folHlink="folHlink"/>
-  </p:clrMapOvr>
-</p:sld>
-</file>
-
-<file path=ppt/slides/slide3.xml><?xml version="1.0" encoding="utf-8"?>
-<p:sld xmlns:a="http://schemas.openxmlformats.org/drawingml/2006/main" xmlns:r="http://schemas.openxmlformats.org/officeDocument/2006/relationships" xmlns:p="http://schemas.openxmlformats.org/presentationml/2006/main">
-  <p:cSld>
-    <p:bg>
-      <p:bgPr>
-        <a:solidFill>
-          <a:schemeClr val="bg1">
-            <a:tint val="95000"/>
-            <a:satMod val="170000"/>
-          </a:schemeClr>
-        </a:solidFill>
-        <a:effectLst/>
-      </p:bgPr>
-    </p:bg>
-    <p:spTree>
-      <p:nvGrpSpPr>
-        <p:cNvPr id="1" name=""/>
-        <p:cNvGrpSpPr/>
-        <p:nvPr/>
-      </p:nvGrpSpPr>
-      <p:grpSpPr>
-        <a:xfrm>
-          <a:off x="0" y="0"/>
-          <a:ext cx="0" cy="0"/>
-          <a:chOff x="0" y="0"/>
-          <a:chExt cx="0" cy="0"/>
-        </a:xfrm>
-      </p:grpSpPr>
-      <p:sp>
-        <p:nvSpPr>
-          <p:cNvPr id="18" name="Freeform: Shape 7">
-            <a:extLst>
-              <a:ext uri="{FF2B5EF4-FFF2-40B4-BE49-F238E27FC236}">
-                <a16:creationId xmlns:a16="http://schemas.microsoft.com/office/drawing/2014/main" id="{48A740BC-A0AA-45E0-B899-2AE9C6FE11CA}"/>
-              </a:ext>
-              <a:ext uri="{C183D7F6-B498-43B3-948B-1728B52AA6E4}">
-                <adec:decorative xmlns:adec="http://schemas.microsoft.com/office/drawing/2017/decorative" val="1"/>
-              </a:ext>
-            </a:extLst>
-          </p:cNvPr>
-          <p:cNvSpPr>
-            <a:spLocks noGrp="1" noRot="1" noChangeAspect="1" noMove="1" noResize="1" noEditPoints="1" noAdjustHandles="1" noChangeArrowheads="1" noChangeShapeType="1" noTextEdit="1"/>
-          </p:cNvSpPr>
-          <p:nvPr>
-            <p:extLst>
-              <p:ext uri="{386F3935-93C4-4BCD-93E2-E3B085C9AB24}">
-                <p16:designElem xmlns:p16="http://schemas.microsoft.com/office/powerpoint/2015/main" val="1"/>
-              </p:ext>
-            </p:extLst>
-          </p:nvPr>
-        </p:nvSpPr>
-        <p:spPr>
-          <a:xfrm>
-            <a:off x="4434840" y="-2"/>
-            <a:ext cx="4709160" cy="6858002"/>
-          </a:xfrm>
-          <a:custGeom>
-            <a:avLst/>
-            <a:gdLst>
-              <a:gd name="connsiteX0" fmla="*/ 45572 w 6278879"/>
-              <a:gd name="connsiteY0" fmla="*/ 0 h 6858002"/>
-              <a:gd name="connsiteX1" fmla="*/ 6278879 w 6278879"/>
-              <a:gd name="connsiteY1" fmla="*/ 0 h 6858002"/>
-              <a:gd name="connsiteX2" fmla="*/ 6278879 w 6278879"/>
-              <a:gd name="connsiteY2" fmla="*/ 6858002 h 6858002"/>
-              <a:gd name="connsiteX3" fmla="*/ 3292308 w 6278879"/>
-              <a:gd name="connsiteY3" fmla="*/ 6858002 h 6858002"/>
-              <a:gd name="connsiteX4" fmla="*/ 3181526 w 6278879"/>
-              <a:gd name="connsiteY4" fmla="*/ 6786982 h 6858002"/>
-              <a:gd name="connsiteX5" fmla="*/ 0 w 6278879"/>
-              <a:gd name="connsiteY5" fmla="*/ 803254 h 6858002"/>
-              <a:gd name="connsiteX6" fmla="*/ 37255 w 6278879"/>
-              <a:gd name="connsiteY6" fmla="*/ 65447 h 6858002"/>
-            </a:gdLst>
-            <a:ahLst/>
-            <a:cxnLst>
-              <a:cxn ang="0">
-                <a:pos x="connsiteX0" y="connsiteY0"/>
-              </a:cxn>
-              <a:cxn ang="0">
-                <a:pos x="connsiteX1" y="connsiteY1"/>
-              </a:cxn>
-              <a:cxn ang="0">
-                <a:pos x="connsiteX2" y="connsiteY2"/>
-              </a:cxn>
-              <a:cxn ang="0">
-                <a:pos x="connsiteX3" y="connsiteY3"/>
-              </a:cxn>
-              <a:cxn ang="0">
-                <a:pos x="connsiteX4" y="connsiteY4"/>
-              </a:cxn>
-              <a:cxn ang="0">
-                <a:pos x="connsiteX5" y="connsiteY5"/>
-              </a:cxn>
-              <a:cxn ang="0">
-                <a:pos x="connsiteX6" y="connsiteY6"/>
-              </a:cxn>
-            </a:cxnLst>
-            <a:rect l="l" t="t" r="r" b="b"/>
-            <a:pathLst>
-              <a:path w="6278879" h="6858002">
-                <a:moveTo>
-                  <a:pt x="45572" y="0"/>
-                </a:moveTo>
-                <a:lnTo>
-                  <a:pt x="6278879" y="0"/>
-                </a:lnTo>
-                <a:lnTo>
-                  <a:pt x="6278879" y="6858002"/>
-                </a:lnTo>
-                <a:lnTo>
-                  <a:pt x="3292308" y="6858002"/>
-                </a:lnTo>
-                <a:lnTo>
-                  <a:pt x="3181526" y="6786982"/>
-                </a:lnTo>
-                <a:cubicBezTo>
-                  <a:pt x="1262021" y="5490191"/>
-                  <a:pt x="0" y="3294103"/>
-                  <a:pt x="0" y="803254"/>
-                </a:cubicBezTo>
-                <a:cubicBezTo>
-                  <a:pt x="0" y="554169"/>
-                  <a:pt x="12620" y="308032"/>
-                  <a:pt x="37255" y="65447"/>
-                </a:cubicBezTo>
-                <a:close/>
-              </a:path>
-            </a:pathLst>
-          </a:custGeom>
-          <a:solidFill>
-            <a:schemeClr val="bg1">
-              <a:lumMod val="85000"/>
-              <a:lumOff val="15000"/>
-              <a:alpha val="70000"/>
-            </a:schemeClr>
-          </a:solidFill>
-          <a:ln>
-            <a:noFill/>
-          </a:ln>
-        </p:spPr>
-        <p:style>
-          <a:lnRef idx="2">
-            <a:schemeClr val="accent1">
-              <a:shade val="50000"/>
-            </a:schemeClr>
-          </a:lnRef>
-          <a:fillRef idx="1">
-            <a:schemeClr val="accent1"/>
-          </a:fillRef>
-          <a:effectRef idx="0">
-            <a:schemeClr val="accent1"/>
-          </a:effectRef>
-          <a:fontRef idx="minor">
-            <a:schemeClr val="lt1"/>
-          </a:fontRef>
-        </p:style>
-        <p:txBody>
-          <a:bodyPr rtlCol="0" anchor="ctr"/>
-          <a:lstStyle/>
-          <a:p>
-            <a:pPr marL="0" marR="0" lvl="0" indent="0" algn="ctr" defTabSz="914400" rtl="0" eaLnBrk="1" fontAlgn="auto" latinLnBrk="0" hangingPunct="1">
-              <a:lnSpc>
-                <a:spcPct val="100000"/>
-              </a:lnSpc>
-              <a:spcBef>
-                <a:spcPts val="0"/>
-              </a:spcBef>
-              <a:spcAft>
-                <a:spcPts val="0"/>
-              </a:spcAft>
-              <a:buClrTx/>
-              <a:buSzTx/>
-              <a:buFontTx/>
-              <a:buNone/>
-              <a:tabLst/>
-              <a:defRPr/>
-            </a:pPr>
-            <a:endParaRPr kumimoji="0" lang="en-US" sz="1800" b="0" i="0" u="none" strike="noStrike" kern="1200" cap="none" spc="0" normalizeH="0" baseline="0" noProof="0">
-              <a:ln>
-                <a:noFill/>
-              </a:ln>
-              <a:solidFill>
-                <a:prstClr val="white"/>
-              </a:solidFill>
-              <a:effectLst/>
-              <a:uLnTx/>
-              <a:uFillTx/>
-              <a:latin typeface="Calibri" panose="020F0502020204030204"/>
-              <a:ea typeface="+mn-ea"/>
-              <a:cs typeface="+mn-cs"/>
-            </a:endParaRPr>
-          </a:p>
-        </p:txBody>
-      </p:sp>
-      <p:sp>
-        <p:nvSpPr>
-          <p:cNvPr id="2" name="Title 1">
-            <a:extLst>
-              <a:ext uri="{FF2B5EF4-FFF2-40B4-BE49-F238E27FC236}">
-                <a16:creationId xmlns:a16="http://schemas.microsoft.com/office/drawing/2014/main" id="{D4B56654-AC57-3344-BECC-F24B2277EE0E}"/>
-              </a:ext>
-            </a:extLst>
-          </p:cNvPr>
-          <p:cNvSpPr>
-            <a:spLocks noGrp="1"/>
-          </p:cNvSpPr>
-          <p:nvPr>
-            <p:ph type="title"/>
-          </p:nvPr>
-        </p:nvSpPr>
-        <p:spPr>
-          <a:xfrm>
-            <a:off x="491490" y="365125"/>
-            <a:ext cx="6759789" cy="1623312"/>
-          </a:xfrm>
-        </p:spPr>
-        <p:txBody>
-          <a:bodyPr anchor="b">
-            <a:normAutofit/>
-          </a:bodyPr>
-          <a:lstStyle/>
-          <a:p>
-            <a:endParaRPr lang="en-US" sz="3500" dirty="0"/>
-          </a:p>
-        </p:txBody>
-      </p:sp>
-      <p:cxnSp>
-        <p:nvCxnSpPr>
-          <p:cNvPr id="19" name="Straight Arrow Connector 9">
-            <a:extLst>
-              <a:ext uri="{FF2B5EF4-FFF2-40B4-BE49-F238E27FC236}">
-                <a16:creationId xmlns:a16="http://schemas.microsoft.com/office/drawing/2014/main" id="{B874EF51-C858-4BB9-97C3-D17755787127}"/>
-              </a:ext>
-              <a:ext uri="{C183D7F6-B498-43B3-948B-1728B52AA6E4}">
-                <adec:decorative xmlns:adec="http://schemas.microsoft.com/office/drawing/2017/decorative" val="1"/>
-              </a:ext>
-            </a:extLst>
-          </p:cNvPr>
-          <p:cNvCxnSpPr>
-            <a:cxnSpLocks noGrp="1" noRot="1" noChangeAspect="1" noMove="1" noResize="1" noEditPoints="1" noAdjustHandles="1" noChangeArrowheads="1" noChangeShapeType="1"/>
-          </p:cNvCxnSpPr>
-          <p:nvPr>
-            <p:extLst>
-              <p:ext uri="{386F3935-93C4-4BCD-93E2-E3B085C9AB24}">
-                <p16:designElem xmlns:p16="http://schemas.microsoft.com/office/powerpoint/2015/main" val="1"/>
-              </p:ext>
-            </p:extLst>
-          </p:nvPr>
-        </p:nvCxnSpPr>
-        <p:spPr>
-          <a:xfrm>
-            <a:off x="572745" y="2316480"/>
-            <a:ext cx="6172200" cy="0"/>
-          </a:xfrm>
-          <a:prstGeom prst="straightConnector1">
-            <a:avLst/>
-          </a:prstGeom>
-          <a:ln w="19050" cap="sq">
-            <a:solidFill>
-              <a:schemeClr val="tx1"/>
-            </a:solidFill>
-            <a:tailEnd type="none"/>
-          </a:ln>
-        </p:spPr>
-        <p:style>
-          <a:lnRef idx="1">
-            <a:schemeClr val="accent1"/>
-          </a:lnRef>
-          <a:fillRef idx="0">
-            <a:schemeClr val="accent1"/>
-          </a:fillRef>
-          <a:effectRef idx="0">
-            <a:schemeClr val="accent1"/>
-          </a:effectRef>
-          <a:fontRef idx="minor">
-            <a:schemeClr val="tx1"/>
-          </a:fontRef>
-        </p:style>
-      </p:cxnSp>
-      <p:sp>
-        <p:nvSpPr>
-          <p:cNvPr id="3" name="Content Placeholder 2">
-            <a:extLst>
-              <a:ext uri="{FF2B5EF4-FFF2-40B4-BE49-F238E27FC236}">
-                <a16:creationId xmlns:a16="http://schemas.microsoft.com/office/drawing/2014/main" id="{65AA0988-9F9E-1645-B206-F99A1F3061FD}"/>
-              </a:ext>
-            </a:extLst>
-          </p:cNvPr>
-          <p:cNvSpPr>
-            <a:spLocks noGrp="1"/>
-          </p:cNvSpPr>
-          <p:nvPr>
-            <p:ph idx="1"/>
-          </p:nvPr>
-        </p:nvSpPr>
-        <p:spPr>
-          <a:xfrm>
-            <a:off x="491490" y="2644518"/>
-            <a:ext cx="6759789" cy="3327251"/>
-          </a:xfrm>
-        </p:spPr>
-        <p:txBody>
-          <a:bodyPr>
-            <a:normAutofit/>
-          </a:bodyPr>
-          <a:lstStyle/>
-          <a:p>
-            <a:endParaRPr lang="en-US" sz="1700"/>
-          </a:p>
-        </p:txBody>
-      </p:sp>
-    </p:spTree>
-    <p:extLst>
-      <p:ext uri="{BB962C8B-B14F-4D97-AF65-F5344CB8AC3E}">
-        <p14:creationId xmlns:p14="http://schemas.microsoft.com/office/powerpoint/2010/main" val="1311741837"/>
-      </p:ext>
-    </p:extLst>
   </p:cSld>
   <p:clrMapOvr>
     <a:overrideClrMapping bg1="dk1" tx1="lt1" bg2="dk2" tx2="lt2" accent1="accent1" accent2="accent2" accent3="accent3" accent4="accent4" accent5="accent5" accent6="accent6" hlink="hlink" folHlink="folHlink"/>
